--- a/studio/wordcloud/wordcloud.pptx
+++ b/studio/wordcloud/wordcloud.pptx
@@ -11,8 +11,18 @@
     <p:sldId id="261" r:id="rId5"/>
     <p:sldId id="262" r:id="rId6"/>
     <p:sldId id="263" r:id="rId7"/>
-    <p:sldId id="260" r:id="rId8"/>
-    <p:sldId id="257" r:id="rId9"/>
+    <p:sldId id="264" r:id="rId8"/>
+    <p:sldId id="265" r:id="rId9"/>
+    <p:sldId id="266" r:id="rId10"/>
+    <p:sldId id="257" r:id="rId11"/>
+    <p:sldId id="267" r:id="rId12"/>
+    <p:sldId id="268" r:id="rId13"/>
+    <p:sldId id="269" r:id="rId14"/>
+    <p:sldId id="270" r:id="rId15"/>
+    <p:sldId id="271" r:id="rId16"/>
+    <p:sldId id="272" r:id="rId17"/>
+    <p:sldId id="273" r:id="rId18"/>
+    <p:sldId id="274" r:id="rId19"/>
   </p:sldIdLst>
   <p:sldSz cx="12192000" cy="6858000"/>
   <p:notesSz cx="6858000" cy="9144000"/>
@@ -111,6 +121,11 @@
       </a:defRPr>
     </a:lvl9pPr>
   </p:defaultTextStyle>
+  <p:extLst>
+    <p:ext uri="{EFAFB233-063F-42B5-8137-9DF3F51BA10A}">
+      <p15:sldGuideLst xmlns:p15="http://schemas.microsoft.com/office/powerpoint/2012/main"/>
+    </p:ext>
+  </p:extLst>
 </p:presentation>
 </file>
 
@@ -245,7 +260,7 @@
           <a:p>
             <a:fld id="{8F0BDD64-29DB-4440-A86B-69EF6E8B6914}" type="datetimeFigureOut">
               <a:rPr lang="ko-KR" altLang="en-US" smtClean="0"/>
-              <a:t>2020-01-28</a:t>
+              <a:t>2020-01-29</a:t>
             </a:fld>
             <a:endParaRPr lang="ko-KR" altLang="en-US"/>
           </a:p>
@@ -415,7 +430,7 @@
           <a:p>
             <a:fld id="{8F0BDD64-29DB-4440-A86B-69EF6E8B6914}" type="datetimeFigureOut">
               <a:rPr lang="ko-KR" altLang="en-US" smtClean="0"/>
-              <a:t>2020-01-28</a:t>
+              <a:t>2020-01-29</a:t>
             </a:fld>
             <a:endParaRPr lang="ko-KR" altLang="en-US"/>
           </a:p>
@@ -595,7 +610,7 @@
           <a:p>
             <a:fld id="{8F0BDD64-29DB-4440-A86B-69EF6E8B6914}" type="datetimeFigureOut">
               <a:rPr lang="ko-KR" altLang="en-US" smtClean="0"/>
-              <a:t>2020-01-28</a:t>
+              <a:t>2020-01-29</a:t>
             </a:fld>
             <a:endParaRPr lang="ko-KR" altLang="en-US"/>
           </a:p>
@@ -765,7 +780,7 @@
           <a:p>
             <a:fld id="{8F0BDD64-29DB-4440-A86B-69EF6E8B6914}" type="datetimeFigureOut">
               <a:rPr lang="ko-KR" altLang="en-US" smtClean="0"/>
-              <a:t>2020-01-28</a:t>
+              <a:t>2020-01-29</a:t>
             </a:fld>
             <a:endParaRPr lang="ko-KR" altLang="en-US"/>
           </a:p>
@@ -1011,7 +1026,7 @@
           <a:p>
             <a:fld id="{8F0BDD64-29DB-4440-A86B-69EF6E8B6914}" type="datetimeFigureOut">
               <a:rPr lang="ko-KR" altLang="en-US" smtClean="0"/>
-              <a:t>2020-01-28</a:t>
+              <a:t>2020-01-29</a:t>
             </a:fld>
             <a:endParaRPr lang="ko-KR" altLang="en-US"/>
           </a:p>
@@ -1243,7 +1258,7 @@
           <a:p>
             <a:fld id="{8F0BDD64-29DB-4440-A86B-69EF6E8B6914}" type="datetimeFigureOut">
               <a:rPr lang="ko-KR" altLang="en-US" smtClean="0"/>
-              <a:t>2020-01-28</a:t>
+              <a:t>2020-01-29</a:t>
             </a:fld>
             <a:endParaRPr lang="ko-KR" altLang="en-US"/>
           </a:p>
@@ -1610,7 +1625,7 @@
           <a:p>
             <a:fld id="{8F0BDD64-29DB-4440-A86B-69EF6E8B6914}" type="datetimeFigureOut">
               <a:rPr lang="ko-KR" altLang="en-US" smtClean="0"/>
-              <a:t>2020-01-28</a:t>
+              <a:t>2020-01-29</a:t>
             </a:fld>
             <a:endParaRPr lang="ko-KR" altLang="en-US"/>
           </a:p>
@@ -1728,7 +1743,7 @@
           <a:p>
             <a:fld id="{8F0BDD64-29DB-4440-A86B-69EF6E8B6914}" type="datetimeFigureOut">
               <a:rPr lang="ko-KR" altLang="en-US" smtClean="0"/>
-              <a:t>2020-01-28</a:t>
+              <a:t>2020-01-29</a:t>
             </a:fld>
             <a:endParaRPr lang="ko-KR" altLang="en-US"/>
           </a:p>
@@ -1823,7 +1838,7 @@
           <a:p>
             <a:fld id="{8F0BDD64-29DB-4440-A86B-69EF6E8B6914}" type="datetimeFigureOut">
               <a:rPr lang="ko-KR" altLang="en-US" smtClean="0"/>
-              <a:t>2020-01-28</a:t>
+              <a:t>2020-01-29</a:t>
             </a:fld>
             <a:endParaRPr lang="ko-KR" altLang="en-US"/>
           </a:p>
@@ -2100,7 +2115,7 @@
           <a:p>
             <a:fld id="{8F0BDD64-29DB-4440-A86B-69EF6E8B6914}" type="datetimeFigureOut">
               <a:rPr lang="ko-KR" altLang="en-US" smtClean="0"/>
-              <a:t>2020-01-28</a:t>
+              <a:t>2020-01-29</a:t>
             </a:fld>
             <a:endParaRPr lang="ko-KR" altLang="en-US"/>
           </a:p>
@@ -2353,7 +2368,7 @@
           <a:p>
             <a:fld id="{8F0BDD64-29DB-4440-A86B-69EF6E8B6914}" type="datetimeFigureOut">
               <a:rPr lang="ko-KR" altLang="en-US" smtClean="0"/>
-              <a:t>2020-01-28</a:t>
+              <a:t>2020-01-29</a:t>
             </a:fld>
             <a:endParaRPr lang="ko-KR" altLang="en-US"/>
           </a:p>
@@ -2566,7 +2581,7 @@
           <a:p>
             <a:fld id="{8F0BDD64-29DB-4440-A86B-69EF6E8B6914}" type="datetimeFigureOut">
               <a:rPr lang="ko-KR" altLang="en-US" smtClean="0"/>
-              <a:t>2020-01-28</a:t>
+              <a:t>2020-01-29</a:t>
             </a:fld>
             <a:endParaRPr lang="ko-KR" altLang="en-US"/>
           </a:p>
@@ -3038,6 +3053,901 @@
 </p:sld>
 </file>
 
+<file path=ppt/slides/slide10.xml><?xml version="1.0" encoding="utf-8"?>
+<p:sld xmlns:a="http://schemas.openxmlformats.org/drawingml/2006/main" xmlns:r="http://schemas.openxmlformats.org/officeDocument/2006/relationships" xmlns:p="http://schemas.openxmlformats.org/presentationml/2006/main">
+  <p:cSld>
+    <p:spTree>
+      <p:nvGrpSpPr>
+        <p:cNvPr id="1" name=""/>
+        <p:cNvGrpSpPr/>
+        <p:nvPr/>
+      </p:nvGrpSpPr>
+      <p:grpSpPr>
+        <a:xfrm>
+          <a:off x="0" y="0"/>
+          <a:ext cx="0" cy="0"/>
+          <a:chOff x="0" y="0"/>
+          <a:chExt cx="0" cy="0"/>
+        </a:xfrm>
+      </p:grpSpPr>
+      <p:sp>
+        <p:nvSpPr>
+          <p:cNvPr id="2" name="제목 1"/>
+          <p:cNvSpPr>
+            <a:spLocks noGrp="1"/>
+          </p:cNvSpPr>
+          <p:nvPr>
+            <p:ph type="ctrTitle"/>
+          </p:nvPr>
+        </p:nvSpPr>
+        <p:spPr/>
+        <p:txBody>
+          <a:bodyPr/>
+          <a:lstStyle/>
+          <a:p>
+            <a:r>
+              <a:rPr lang="ko-KR" altLang="en-US" dirty="0"/>
+              <a:t>영</a:t>
+            </a:r>
+            <a:r>
+              <a:rPr lang="ko-KR" altLang="en-US" dirty="0" smtClean="0"/>
+              <a:t>문</a:t>
+            </a:r>
+            <a:r>
+              <a:rPr lang="en-US" altLang="ko-KR" dirty="0" smtClean="0"/>
+              <a:t>(</a:t>
+            </a:r>
+            <a:r>
+              <a:rPr lang="en-US" altLang="ko-KR" dirty="0" err="1" smtClean="0"/>
+              <a:t>en</a:t>
+            </a:r>
+            <a:r>
+              <a:rPr lang="en-US" altLang="ko-KR" dirty="0" smtClean="0"/>
+              <a:t>)</a:t>
+            </a:r>
+            <a:endParaRPr lang="ko-KR" altLang="en-US" dirty="0"/>
+          </a:p>
+        </p:txBody>
+      </p:sp>
+      <p:sp>
+        <p:nvSpPr>
+          <p:cNvPr id="3" name="부제목 2"/>
+          <p:cNvSpPr>
+            <a:spLocks noGrp="1"/>
+          </p:cNvSpPr>
+          <p:nvPr>
+            <p:ph type="subTitle" idx="1"/>
+          </p:nvPr>
+        </p:nvSpPr>
+        <p:spPr/>
+        <p:txBody>
+          <a:bodyPr/>
+          <a:lstStyle/>
+          <a:p>
+            <a:endParaRPr lang="ko-KR" altLang="en-US"/>
+          </a:p>
+        </p:txBody>
+      </p:sp>
+    </p:spTree>
+    <p:extLst>
+      <p:ext uri="{BB962C8B-B14F-4D97-AF65-F5344CB8AC3E}">
+        <p14:creationId xmlns:p14="http://schemas.microsoft.com/office/powerpoint/2010/main" val="1528310087"/>
+      </p:ext>
+    </p:extLst>
+  </p:cSld>
+  <p:clrMapOvr>
+    <a:masterClrMapping/>
+  </p:clrMapOvr>
+</p:sld>
+</file>
+
+<file path=ppt/slides/slide11.xml><?xml version="1.0" encoding="utf-8"?>
+<p:sld xmlns:a="http://schemas.openxmlformats.org/drawingml/2006/main" xmlns:r="http://schemas.openxmlformats.org/officeDocument/2006/relationships" xmlns:p="http://schemas.openxmlformats.org/presentationml/2006/main">
+  <p:cSld>
+    <p:spTree>
+      <p:nvGrpSpPr>
+        <p:cNvPr id="1" name=""/>
+        <p:cNvGrpSpPr/>
+        <p:nvPr/>
+      </p:nvGrpSpPr>
+      <p:grpSpPr>
+        <a:xfrm>
+          <a:off x="0" y="0"/>
+          <a:ext cx="0" cy="0"/>
+          <a:chOff x="0" y="0"/>
+          <a:chExt cx="0" cy="0"/>
+        </a:xfrm>
+      </p:grpSpPr>
+      <p:pic>
+        <p:nvPicPr>
+          <p:cNvPr id="4" name="그림 3"/>
+          <p:cNvPicPr>
+            <a:picLocks noChangeAspect="1"/>
+          </p:cNvPicPr>
+          <p:nvPr/>
+        </p:nvPicPr>
+        <p:blipFill>
+          <a:blip r:embed="rId2"/>
+          <a:stretch>
+            <a:fillRect/>
+          </a:stretch>
+        </p:blipFill>
+        <p:spPr>
+          <a:xfrm>
+            <a:off x="3348037" y="204787"/>
+            <a:ext cx="5495925" cy="6448425"/>
+          </a:xfrm>
+          <a:prstGeom prst="rect">
+            <a:avLst/>
+          </a:prstGeom>
+        </p:spPr>
+      </p:pic>
+    </p:spTree>
+    <p:extLst>
+      <p:ext uri="{BB962C8B-B14F-4D97-AF65-F5344CB8AC3E}">
+        <p14:creationId xmlns:p14="http://schemas.microsoft.com/office/powerpoint/2010/main" val="992282562"/>
+      </p:ext>
+    </p:extLst>
+  </p:cSld>
+  <p:clrMapOvr>
+    <a:masterClrMapping/>
+  </p:clrMapOvr>
+</p:sld>
+</file>
+
+<file path=ppt/slides/slide12.xml><?xml version="1.0" encoding="utf-8"?>
+<p:sld xmlns:a="http://schemas.openxmlformats.org/drawingml/2006/main" xmlns:r="http://schemas.openxmlformats.org/officeDocument/2006/relationships" xmlns:p="http://schemas.openxmlformats.org/presentationml/2006/main">
+  <p:cSld>
+    <p:spTree>
+      <p:nvGrpSpPr>
+        <p:cNvPr id="1" name=""/>
+        <p:cNvGrpSpPr/>
+        <p:nvPr/>
+      </p:nvGrpSpPr>
+      <p:grpSpPr>
+        <a:xfrm>
+          <a:off x="0" y="0"/>
+          <a:ext cx="0" cy="0"/>
+          <a:chOff x="0" y="0"/>
+          <a:chExt cx="0" cy="0"/>
+        </a:xfrm>
+      </p:grpSpPr>
+      <p:pic>
+        <p:nvPicPr>
+          <p:cNvPr id="2" name="그림 1"/>
+          <p:cNvPicPr>
+            <a:picLocks noChangeAspect="1"/>
+          </p:cNvPicPr>
+          <p:nvPr/>
+        </p:nvPicPr>
+        <p:blipFill rotWithShape="1">
+          <a:blip r:embed="rId2"/>
+          <a:srcRect t="9872"/>
+          <a:stretch/>
+        </p:blipFill>
+        <p:spPr>
+          <a:xfrm>
+            <a:off x="262467" y="499533"/>
+            <a:ext cx="11628972" cy="5677200"/>
+          </a:xfrm>
+          <a:prstGeom prst="rect">
+            <a:avLst/>
+          </a:prstGeom>
+          <a:ln>
+            <a:solidFill>
+              <a:schemeClr val="tx1"/>
+            </a:solidFill>
+          </a:ln>
+        </p:spPr>
+      </p:pic>
+      <p:sp>
+        <p:nvSpPr>
+          <p:cNvPr id="10" name="직사각형 9"/>
+          <p:cNvSpPr/>
+          <p:nvPr/>
+        </p:nvSpPr>
+        <p:spPr>
+          <a:xfrm>
+            <a:off x="1278466" y="936627"/>
+            <a:ext cx="270933" cy="257174"/>
+          </a:xfrm>
+          <a:prstGeom prst="rect">
+            <a:avLst/>
+          </a:prstGeom>
+          <a:noFill/>
+          <a:ln w="19050">
+            <a:solidFill>
+              <a:schemeClr val="accent2"/>
+            </a:solidFill>
+          </a:ln>
+        </p:spPr>
+        <p:style>
+          <a:lnRef idx="2">
+            <a:schemeClr val="accent1">
+              <a:shade val="50000"/>
+            </a:schemeClr>
+          </a:lnRef>
+          <a:fillRef idx="1">
+            <a:schemeClr val="accent1"/>
+          </a:fillRef>
+          <a:effectRef idx="0">
+            <a:schemeClr val="accent1"/>
+          </a:effectRef>
+          <a:fontRef idx="minor">
+            <a:schemeClr val="lt1"/>
+          </a:fontRef>
+        </p:style>
+        <p:txBody>
+          <a:bodyPr rtlCol="0" anchor="ctr"/>
+          <a:lstStyle/>
+          <a:p>
+            <a:pPr algn="ctr"/>
+            <a:endParaRPr lang="ko-KR" altLang="en-US"/>
+          </a:p>
+        </p:txBody>
+      </p:sp>
+    </p:spTree>
+    <p:extLst>
+      <p:ext uri="{BB962C8B-B14F-4D97-AF65-F5344CB8AC3E}">
+        <p14:creationId xmlns:p14="http://schemas.microsoft.com/office/powerpoint/2010/main" val="1801837792"/>
+      </p:ext>
+    </p:extLst>
+  </p:cSld>
+  <p:clrMapOvr>
+    <a:masterClrMapping/>
+  </p:clrMapOvr>
+</p:sld>
+</file>
+
+<file path=ppt/slides/slide13.xml><?xml version="1.0" encoding="utf-8"?>
+<p:sld xmlns:a="http://schemas.openxmlformats.org/drawingml/2006/main" xmlns:r="http://schemas.openxmlformats.org/officeDocument/2006/relationships" xmlns:p="http://schemas.openxmlformats.org/presentationml/2006/main">
+  <p:cSld>
+    <p:spTree>
+      <p:nvGrpSpPr>
+        <p:cNvPr id="1" name=""/>
+        <p:cNvGrpSpPr/>
+        <p:nvPr/>
+      </p:nvGrpSpPr>
+      <p:grpSpPr>
+        <a:xfrm>
+          <a:off x="0" y="0"/>
+          <a:ext cx="0" cy="0"/>
+          <a:chOff x="0" y="0"/>
+          <a:chExt cx="0" cy="0"/>
+        </a:xfrm>
+      </p:grpSpPr>
+      <p:pic>
+        <p:nvPicPr>
+          <p:cNvPr id="4" name="그림 3"/>
+          <p:cNvPicPr>
+            <a:picLocks noChangeAspect="1"/>
+          </p:cNvPicPr>
+          <p:nvPr/>
+        </p:nvPicPr>
+        <p:blipFill rotWithShape="1">
+          <a:blip r:embed="rId2"/>
+          <a:srcRect t="9872"/>
+          <a:stretch/>
+        </p:blipFill>
+        <p:spPr>
+          <a:xfrm>
+            <a:off x="287500" y="465666"/>
+            <a:ext cx="11628972" cy="5677200"/>
+          </a:xfrm>
+          <a:prstGeom prst="rect">
+            <a:avLst/>
+          </a:prstGeom>
+          <a:ln>
+            <a:solidFill>
+              <a:schemeClr val="tx1"/>
+            </a:solidFill>
+          </a:ln>
+        </p:spPr>
+      </p:pic>
+      <p:sp>
+        <p:nvSpPr>
+          <p:cNvPr id="10" name="직사각형 9"/>
+          <p:cNvSpPr/>
+          <p:nvPr/>
+        </p:nvSpPr>
+        <p:spPr>
+          <a:xfrm>
+            <a:off x="10185399" y="1089027"/>
+            <a:ext cx="1731073" cy="4761440"/>
+          </a:xfrm>
+          <a:prstGeom prst="rect">
+            <a:avLst/>
+          </a:prstGeom>
+          <a:noFill/>
+          <a:ln w="19050">
+            <a:solidFill>
+              <a:schemeClr val="accent2"/>
+            </a:solidFill>
+          </a:ln>
+        </p:spPr>
+        <p:style>
+          <a:lnRef idx="2">
+            <a:schemeClr val="accent1">
+              <a:shade val="50000"/>
+            </a:schemeClr>
+          </a:lnRef>
+          <a:fillRef idx="1">
+            <a:schemeClr val="accent1"/>
+          </a:fillRef>
+          <a:effectRef idx="0">
+            <a:schemeClr val="accent1"/>
+          </a:effectRef>
+          <a:fontRef idx="minor">
+            <a:schemeClr val="lt1"/>
+          </a:fontRef>
+        </p:style>
+        <p:txBody>
+          <a:bodyPr rtlCol="0" anchor="ctr"/>
+          <a:lstStyle/>
+          <a:p>
+            <a:pPr algn="ctr"/>
+            <a:endParaRPr lang="ko-KR" altLang="en-US"/>
+          </a:p>
+        </p:txBody>
+      </p:sp>
+    </p:spTree>
+    <p:extLst>
+      <p:ext uri="{BB962C8B-B14F-4D97-AF65-F5344CB8AC3E}">
+        <p14:creationId xmlns:p14="http://schemas.microsoft.com/office/powerpoint/2010/main" val="3007339294"/>
+      </p:ext>
+    </p:extLst>
+  </p:cSld>
+  <p:clrMapOvr>
+    <a:masterClrMapping/>
+  </p:clrMapOvr>
+</p:sld>
+</file>
+
+<file path=ppt/slides/slide14.xml><?xml version="1.0" encoding="utf-8"?>
+<p:sld xmlns:a="http://schemas.openxmlformats.org/drawingml/2006/main" xmlns:r="http://schemas.openxmlformats.org/officeDocument/2006/relationships" xmlns:p="http://schemas.openxmlformats.org/presentationml/2006/main">
+  <p:cSld>
+    <p:spTree>
+      <p:nvGrpSpPr>
+        <p:cNvPr id="1" name=""/>
+        <p:cNvGrpSpPr/>
+        <p:nvPr/>
+      </p:nvGrpSpPr>
+      <p:grpSpPr>
+        <a:xfrm>
+          <a:off x="0" y="0"/>
+          <a:ext cx="0" cy="0"/>
+          <a:chOff x="0" y="0"/>
+          <a:chExt cx="0" cy="0"/>
+        </a:xfrm>
+      </p:grpSpPr>
+      <p:pic>
+        <p:nvPicPr>
+          <p:cNvPr id="3" name="그림 2"/>
+          <p:cNvPicPr>
+            <a:picLocks noChangeAspect="1"/>
+          </p:cNvPicPr>
+          <p:nvPr/>
+        </p:nvPicPr>
+        <p:blipFill rotWithShape="1">
+          <a:blip r:embed="rId2"/>
+          <a:srcRect t="10000"/>
+          <a:stretch/>
+        </p:blipFill>
+        <p:spPr>
+          <a:xfrm>
+            <a:off x="203201" y="399899"/>
+            <a:ext cx="11645538" cy="5677200"/>
+          </a:xfrm>
+          <a:prstGeom prst="rect">
+            <a:avLst/>
+          </a:prstGeom>
+          <a:ln>
+            <a:solidFill>
+              <a:schemeClr val="tx1"/>
+            </a:solidFill>
+          </a:ln>
+        </p:spPr>
+      </p:pic>
+      <p:sp>
+        <p:nvSpPr>
+          <p:cNvPr id="10" name="직사각형 9"/>
+          <p:cNvSpPr/>
+          <p:nvPr/>
+        </p:nvSpPr>
+        <p:spPr>
+          <a:xfrm>
+            <a:off x="10676467" y="3175000"/>
+            <a:ext cx="651933" cy="499533"/>
+          </a:xfrm>
+          <a:prstGeom prst="rect">
+            <a:avLst/>
+          </a:prstGeom>
+          <a:noFill/>
+          <a:ln w="19050">
+            <a:solidFill>
+              <a:schemeClr val="accent2"/>
+            </a:solidFill>
+          </a:ln>
+        </p:spPr>
+        <p:style>
+          <a:lnRef idx="2">
+            <a:schemeClr val="accent1">
+              <a:shade val="50000"/>
+            </a:schemeClr>
+          </a:lnRef>
+          <a:fillRef idx="1">
+            <a:schemeClr val="accent1"/>
+          </a:fillRef>
+          <a:effectRef idx="0">
+            <a:schemeClr val="accent1"/>
+          </a:effectRef>
+          <a:fontRef idx="minor">
+            <a:schemeClr val="lt1"/>
+          </a:fontRef>
+        </p:style>
+        <p:txBody>
+          <a:bodyPr rtlCol="0" anchor="ctr"/>
+          <a:lstStyle/>
+          <a:p>
+            <a:pPr algn="ctr"/>
+            <a:endParaRPr lang="ko-KR" altLang="en-US"/>
+          </a:p>
+        </p:txBody>
+      </p:sp>
+      <p:sp>
+        <p:nvSpPr>
+          <p:cNvPr id="5" name="직사각형 4"/>
+          <p:cNvSpPr/>
+          <p:nvPr/>
+        </p:nvSpPr>
+        <p:spPr>
+          <a:xfrm>
+            <a:off x="10473269" y="4379534"/>
+            <a:ext cx="863599" cy="209400"/>
+          </a:xfrm>
+          <a:prstGeom prst="rect">
+            <a:avLst/>
+          </a:prstGeom>
+          <a:noFill/>
+          <a:ln w="19050">
+            <a:solidFill>
+              <a:schemeClr val="accent2"/>
+            </a:solidFill>
+          </a:ln>
+        </p:spPr>
+        <p:style>
+          <a:lnRef idx="2">
+            <a:schemeClr val="accent1">
+              <a:shade val="50000"/>
+            </a:schemeClr>
+          </a:lnRef>
+          <a:fillRef idx="1">
+            <a:schemeClr val="accent1"/>
+          </a:fillRef>
+          <a:effectRef idx="0">
+            <a:schemeClr val="accent1"/>
+          </a:effectRef>
+          <a:fontRef idx="minor">
+            <a:schemeClr val="lt1"/>
+          </a:fontRef>
+        </p:style>
+        <p:txBody>
+          <a:bodyPr rtlCol="0" anchor="ctr"/>
+          <a:lstStyle/>
+          <a:p>
+            <a:pPr algn="ctr"/>
+            <a:endParaRPr lang="ko-KR" altLang="en-US"/>
+          </a:p>
+        </p:txBody>
+      </p:sp>
+      <p:pic>
+        <p:nvPicPr>
+          <p:cNvPr id="6" name="그림 5" descr="/Users/Yongs/Downloads/DB 브라우저 그림파일/1.png"/>
+          <p:cNvPicPr/>
+          <p:nvPr/>
+        </p:nvPicPr>
+        <p:blipFill rotWithShape="1">
+          <a:blip r:embed="rId3">
+            <a:extLst>
+              <a:ext uri="{28A0092B-C50C-407E-A947-70E740481C1C}">
+                <a14:useLocalDpi xmlns:a14="http://schemas.microsoft.com/office/drawing/2010/main" val="0"/>
+              </a:ext>
+            </a:extLst>
+          </a:blip>
+          <a:srcRect l="22981" t="21597" r="22981" b="35065"/>
+          <a:stretch/>
+        </p:blipFill>
+        <p:spPr bwMode="auto">
+          <a:xfrm>
+            <a:off x="10422446" y="2997427"/>
+            <a:ext cx="254020" cy="177573"/>
+          </a:xfrm>
+          <a:prstGeom prst="rect">
+            <a:avLst/>
+          </a:prstGeom>
+          <a:noFill/>
+          <a:ln>
+            <a:noFill/>
+          </a:ln>
+          <a:extLst>
+            <a:ext uri="{53640926-AAD7-44D8-BBD7-CCE9431645EC}">
+              <a14:shadowObscured xmlns:a14="http://schemas.microsoft.com/office/drawing/2010/main"/>
+            </a:ext>
+          </a:extLst>
+        </p:spPr>
+      </p:pic>
+      <p:pic>
+        <p:nvPicPr>
+          <p:cNvPr id="7" name="그림 6" descr="/Users/Yongs/Downloads/DB 브라우저 그림파일/2.png"/>
+          <p:cNvPicPr/>
+          <p:nvPr/>
+        </p:nvPicPr>
+        <p:blipFill rotWithShape="1">
+          <a:blip r:embed="rId4">
+            <a:extLst>
+              <a:ext uri="{28A0092B-C50C-407E-A947-70E740481C1C}">
+                <a14:useLocalDpi xmlns:a14="http://schemas.microsoft.com/office/drawing/2010/main" val="0"/>
+              </a:ext>
+            </a:extLst>
+          </a:blip>
+          <a:srcRect l="23487" t="21694" r="23487" b="34739"/>
+          <a:stretch/>
+        </p:blipFill>
+        <p:spPr bwMode="auto">
+          <a:xfrm>
+            <a:off x="10220311" y="4158750"/>
+            <a:ext cx="274123" cy="195383"/>
+          </a:xfrm>
+          <a:prstGeom prst="rect">
+            <a:avLst/>
+          </a:prstGeom>
+          <a:noFill/>
+          <a:ln>
+            <a:noFill/>
+          </a:ln>
+          <a:extLst>
+            <a:ext uri="{53640926-AAD7-44D8-BBD7-CCE9431645EC}">
+              <a14:shadowObscured xmlns:a14="http://schemas.microsoft.com/office/drawing/2010/main"/>
+            </a:ext>
+          </a:extLst>
+        </p:spPr>
+      </p:pic>
+    </p:spTree>
+    <p:extLst>
+      <p:ext uri="{BB962C8B-B14F-4D97-AF65-F5344CB8AC3E}">
+        <p14:creationId xmlns:p14="http://schemas.microsoft.com/office/powerpoint/2010/main" val="74697475"/>
+      </p:ext>
+    </p:extLst>
+  </p:cSld>
+  <p:clrMapOvr>
+    <a:masterClrMapping/>
+  </p:clrMapOvr>
+</p:sld>
+</file>
+
+<file path=ppt/slides/slide15.xml><?xml version="1.0" encoding="utf-8"?>
+<p:sld xmlns:a="http://schemas.openxmlformats.org/drawingml/2006/main" xmlns:r="http://schemas.openxmlformats.org/officeDocument/2006/relationships" xmlns:p="http://schemas.openxmlformats.org/presentationml/2006/main">
+  <p:cSld>
+    <p:spTree>
+      <p:nvGrpSpPr>
+        <p:cNvPr id="1" name=""/>
+        <p:cNvGrpSpPr/>
+        <p:nvPr/>
+      </p:nvGrpSpPr>
+      <p:grpSpPr>
+        <a:xfrm>
+          <a:off x="0" y="0"/>
+          <a:ext cx="0" cy="0"/>
+          <a:chOff x="0" y="0"/>
+          <a:chExt cx="0" cy="0"/>
+        </a:xfrm>
+      </p:grpSpPr>
+      <p:pic>
+        <p:nvPicPr>
+          <p:cNvPr id="2" name="그림 1"/>
+          <p:cNvPicPr>
+            <a:picLocks noChangeAspect="1"/>
+          </p:cNvPicPr>
+          <p:nvPr/>
+        </p:nvPicPr>
+        <p:blipFill>
+          <a:blip r:embed="rId2"/>
+          <a:stretch>
+            <a:fillRect/>
+          </a:stretch>
+        </p:blipFill>
+        <p:spPr>
+          <a:xfrm>
+            <a:off x="890587" y="344487"/>
+            <a:ext cx="4619625" cy="1628775"/>
+          </a:xfrm>
+          <a:prstGeom prst="rect">
+            <a:avLst/>
+          </a:prstGeom>
+        </p:spPr>
+      </p:pic>
+      <p:pic>
+        <p:nvPicPr>
+          <p:cNvPr id="5" name="그림 4"/>
+          <p:cNvPicPr>
+            <a:picLocks noChangeAspect="1"/>
+          </p:cNvPicPr>
+          <p:nvPr/>
+        </p:nvPicPr>
+        <p:blipFill>
+          <a:blip r:embed="rId3"/>
+          <a:stretch>
+            <a:fillRect/>
+          </a:stretch>
+        </p:blipFill>
+        <p:spPr>
+          <a:xfrm>
+            <a:off x="885824" y="2205567"/>
+            <a:ext cx="4629150" cy="1447800"/>
+          </a:xfrm>
+          <a:prstGeom prst="rect">
+            <a:avLst/>
+          </a:prstGeom>
+        </p:spPr>
+      </p:pic>
+      <p:pic>
+        <p:nvPicPr>
+          <p:cNvPr id="6" name="그림 5"/>
+          <p:cNvPicPr>
+            <a:picLocks noChangeAspect="1"/>
+          </p:cNvPicPr>
+          <p:nvPr/>
+        </p:nvPicPr>
+        <p:blipFill>
+          <a:blip r:embed="rId4"/>
+          <a:stretch>
+            <a:fillRect/>
+          </a:stretch>
+        </p:blipFill>
+        <p:spPr>
+          <a:xfrm>
+            <a:off x="885824" y="4058178"/>
+            <a:ext cx="4619625" cy="1400175"/>
+          </a:xfrm>
+          <a:prstGeom prst="rect">
+            <a:avLst/>
+          </a:prstGeom>
+        </p:spPr>
+      </p:pic>
+    </p:spTree>
+    <p:extLst>
+      <p:ext uri="{BB962C8B-B14F-4D97-AF65-F5344CB8AC3E}">
+        <p14:creationId xmlns:p14="http://schemas.microsoft.com/office/powerpoint/2010/main" val="2152557029"/>
+      </p:ext>
+    </p:extLst>
+  </p:cSld>
+  <p:clrMapOvr>
+    <a:masterClrMapping/>
+  </p:clrMapOvr>
+</p:sld>
+</file>
+
+<file path=ppt/slides/slide16.xml><?xml version="1.0" encoding="utf-8"?>
+<p:sld xmlns:a="http://schemas.openxmlformats.org/drawingml/2006/main" xmlns:r="http://schemas.openxmlformats.org/officeDocument/2006/relationships" xmlns:p="http://schemas.openxmlformats.org/presentationml/2006/main">
+  <p:cSld>
+    <p:spTree>
+      <p:nvGrpSpPr>
+        <p:cNvPr id="1" name=""/>
+        <p:cNvGrpSpPr/>
+        <p:nvPr/>
+      </p:nvGrpSpPr>
+      <p:grpSpPr>
+        <a:xfrm>
+          <a:off x="0" y="0"/>
+          <a:ext cx="0" cy="0"/>
+          <a:chOff x="0" y="0"/>
+          <a:chExt cx="0" cy="0"/>
+        </a:xfrm>
+      </p:grpSpPr>
+      <p:pic>
+        <p:nvPicPr>
+          <p:cNvPr id="3" name="그림 2"/>
+          <p:cNvPicPr>
+            <a:picLocks noChangeAspect="1"/>
+          </p:cNvPicPr>
+          <p:nvPr/>
+        </p:nvPicPr>
+        <p:blipFill rotWithShape="1">
+          <a:blip r:embed="rId2"/>
+          <a:srcRect t="9872"/>
+          <a:stretch/>
+        </p:blipFill>
+        <p:spPr>
+          <a:xfrm>
+            <a:off x="287867" y="465665"/>
+            <a:ext cx="11628972" cy="5677200"/>
+          </a:xfrm>
+          <a:prstGeom prst="rect">
+            <a:avLst/>
+          </a:prstGeom>
+          <a:ln>
+            <a:solidFill>
+              <a:schemeClr val="tx1"/>
+            </a:solidFill>
+          </a:ln>
+        </p:spPr>
+      </p:pic>
+      <p:sp>
+        <p:nvSpPr>
+          <p:cNvPr id="6" name="직사각형 5"/>
+          <p:cNvSpPr/>
+          <p:nvPr/>
+        </p:nvSpPr>
+        <p:spPr>
+          <a:xfrm>
+            <a:off x="9105901" y="688067"/>
+            <a:ext cx="393700" cy="200933"/>
+          </a:xfrm>
+          <a:prstGeom prst="rect">
+            <a:avLst/>
+          </a:prstGeom>
+          <a:noFill/>
+          <a:ln w="19050">
+            <a:solidFill>
+              <a:schemeClr val="accent2"/>
+            </a:solidFill>
+          </a:ln>
+        </p:spPr>
+        <p:style>
+          <a:lnRef idx="2">
+            <a:schemeClr val="accent1">
+              <a:shade val="50000"/>
+            </a:schemeClr>
+          </a:lnRef>
+          <a:fillRef idx="1">
+            <a:schemeClr val="accent1"/>
+          </a:fillRef>
+          <a:effectRef idx="0">
+            <a:schemeClr val="accent1"/>
+          </a:effectRef>
+          <a:fontRef idx="minor">
+            <a:schemeClr val="lt1"/>
+          </a:fontRef>
+        </p:style>
+        <p:txBody>
+          <a:bodyPr rtlCol="0" anchor="ctr"/>
+          <a:lstStyle/>
+          <a:p>
+            <a:pPr algn="ctr"/>
+            <a:endParaRPr lang="ko-KR" altLang="en-US"/>
+          </a:p>
+        </p:txBody>
+      </p:sp>
+    </p:spTree>
+    <p:extLst>
+      <p:ext uri="{BB962C8B-B14F-4D97-AF65-F5344CB8AC3E}">
+        <p14:creationId xmlns:p14="http://schemas.microsoft.com/office/powerpoint/2010/main" val="2009742028"/>
+      </p:ext>
+    </p:extLst>
+  </p:cSld>
+  <p:clrMapOvr>
+    <a:masterClrMapping/>
+  </p:clrMapOvr>
+</p:sld>
+</file>
+
+<file path=ppt/slides/slide17.xml><?xml version="1.0" encoding="utf-8"?>
+<p:sld xmlns:a="http://schemas.openxmlformats.org/drawingml/2006/main" xmlns:r="http://schemas.openxmlformats.org/officeDocument/2006/relationships" xmlns:p="http://schemas.openxmlformats.org/presentationml/2006/main">
+  <p:cSld>
+    <p:spTree>
+      <p:nvGrpSpPr>
+        <p:cNvPr id="1" name=""/>
+        <p:cNvGrpSpPr/>
+        <p:nvPr/>
+      </p:nvGrpSpPr>
+      <p:grpSpPr>
+        <a:xfrm>
+          <a:off x="0" y="0"/>
+          <a:ext cx="0" cy="0"/>
+          <a:chOff x="0" y="0"/>
+          <a:chExt cx="0" cy="0"/>
+        </a:xfrm>
+      </p:grpSpPr>
+      <p:pic>
+        <p:nvPicPr>
+          <p:cNvPr id="3" name="그림 2"/>
+          <p:cNvPicPr>
+            <a:picLocks noChangeAspect="1"/>
+          </p:cNvPicPr>
+          <p:nvPr/>
+        </p:nvPicPr>
+        <p:blipFill rotWithShape="1">
+          <a:blip r:embed="rId2"/>
+          <a:srcRect t="10000"/>
+          <a:stretch/>
+        </p:blipFill>
+        <p:spPr>
+          <a:xfrm>
+            <a:off x="304801" y="541867"/>
+            <a:ext cx="11645538" cy="5677200"/>
+          </a:xfrm>
+          <a:prstGeom prst="rect">
+            <a:avLst/>
+          </a:prstGeom>
+          <a:ln>
+            <a:solidFill>
+              <a:schemeClr val="tx1"/>
+            </a:solidFill>
+          </a:ln>
+        </p:spPr>
+      </p:pic>
+    </p:spTree>
+    <p:extLst>
+      <p:ext uri="{BB962C8B-B14F-4D97-AF65-F5344CB8AC3E}">
+        <p14:creationId xmlns:p14="http://schemas.microsoft.com/office/powerpoint/2010/main" val="2598613117"/>
+      </p:ext>
+    </p:extLst>
+  </p:cSld>
+  <p:clrMapOvr>
+    <a:masterClrMapping/>
+  </p:clrMapOvr>
+</p:sld>
+</file>
+
+<file path=ppt/slides/slide18.xml><?xml version="1.0" encoding="utf-8"?>
+<p:sld xmlns:a="http://schemas.openxmlformats.org/drawingml/2006/main" xmlns:r="http://schemas.openxmlformats.org/officeDocument/2006/relationships" xmlns:p="http://schemas.openxmlformats.org/presentationml/2006/main">
+  <p:cSld>
+    <p:spTree>
+      <p:nvGrpSpPr>
+        <p:cNvPr id="1" name=""/>
+        <p:cNvGrpSpPr/>
+        <p:nvPr/>
+      </p:nvGrpSpPr>
+      <p:grpSpPr>
+        <a:xfrm>
+          <a:off x="0" y="0"/>
+          <a:ext cx="0" cy="0"/>
+          <a:chOff x="0" y="0"/>
+          <a:chExt cx="0" cy="0"/>
+        </a:xfrm>
+      </p:grpSpPr>
+      <p:pic>
+        <p:nvPicPr>
+          <p:cNvPr id="3" name="그림 2"/>
+          <p:cNvPicPr>
+            <a:picLocks noChangeAspect="1"/>
+          </p:cNvPicPr>
+          <p:nvPr/>
+        </p:nvPicPr>
+        <p:blipFill>
+          <a:blip r:embed="rId2"/>
+          <a:stretch>
+            <a:fillRect/>
+          </a:stretch>
+        </p:blipFill>
+        <p:spPr>
+          <a:xfrm>
+            <a:off x="1330325" y="1702858"/>
+            <a:ext cx="2571750" cy="1352550"/>
+          </a:xfrm>
+          <a:prstGeom prst="rect">
+            <a:avLst/>
+          </a:prstGeom>
+          <a:ln>
+            <a:solidFill>
+              <a:schemeClr val="tx1"/>
+            </a:solidFill>
+          </a:ln>
+        </p:spPr>
+      </p:pic>
+    </p:spTree>
+    <p:extLst>
+      <p:ext uri="{BB962C8B-B14F-4D97-AF65-F5344CB8AC3E}">
+        <p14:creationId xmlns:p14="http://schemas.microsoft.com/office/powerpoint/2010/main" val="1064376280"/>
+      </p:ext>
+    </p:extLst>
+  </p:cSld>
+  <p:clrMapOvr>
+    <a:masterClrMapping/>
+  </p:clrMapOvr>
+</p:sld>
+</file>
+
 <file path=ppt/slides/slide2.xml><?xml version="1.0" encoding="utf-8"?>
 <p:sld xmlns:a="http://schemas.openxmlformats.org/drawingml/2006/main" xmlns:r="http://schemas.openxmlformats.org/officeDocument/2006/relationships" xmlns:p="http://schemas.openxmlformats.org/presentationml/2006/main">
   <p:cSld>
@@ -3633,187 +4543,82 @@
       </p:grpSpPr>
       <p:pic>
         <p:nvPicPr>
-          <p:cNvPr id="5" name="그림 4" descr="/Users/Yongs/Downloads/DB 브라우저 그림파일/1.png"/>
-          <p:cNvPicPr/>
+          <p:cNvPr id="2" name="그림 1"/>
+          <p:cNvPicPr>
+            <a:picLocks noChangeAspect="1"/>
+          </p:cNvPicPr>
           <p:nvPr/>
         </p:nvPicPr>
         <p:blipFill rotWithShape="1">
-          <a:blip r:embed="rId2">
-            <a:extLst>
-              <a:ext uri="{28A0092B-C50C-407E-A947-70E740481C1C}">
-                <a14:useLocalDpi xmlns:a14="http://schemas.microsoft.com/office/drawing/2010/main" val="0"/>
-              </a:ext>
-            </a:extLst>
-          </a:blip>
-          <a:srcRect l="22981" t="21597" r="22981" b="35065"/>
+          <a:blip r:embed="rId2"/>
+          <a:srcRect t="9872"/>
           <a:stretch/>
         </p:blipFill>
-        <p:spPr bwMode="auto">
-          <a:xfrm>
-            <a:off x="1093922" y="914627"/>
-            <a:ext cx="254020" cy="177573"/>
+        <p:spPr>
+          <a:xfrm>
+            <a:off x="330200" y="575732"/>
+            <a:ext cx="11628972" cy="5677200"/>
+          </a:xfrm>
+          <a:prstGeom prst="rect">
+            <a:avLst/>
+          </a:prstGeom>
+          <a:ln>
+            <a:solidFill>
+              <a:schemeClr val="tx1"/>
+            </a:solidFill>
+          </a:ln>
+        </p:spPr>
+      </p:pic>
+      <p:sp>
+        <p:nvSpPr>
+          <p:cNvPr id="6" name="직사각형 5"/>
+          <p:cNvSpPr/>
+          <p:nvPr/>
+        </p:nvSpPr>
+        <p:spPr>
+          <a:xfrm>
+            <a:off x="9639301" y="798134"/>
+            <a:ext cx="393700" cy="200933"/>
           </a:xfrm>
           <a:prstGeom prst="rect">
             <a:avLst/>
           </a:prstGeom>
           <a:noFill/>
-          <a:ln>
-            <a:noFill/>
+          <a:ln w="19050">
+            <a:solidFill>
+              <a:schemeClr val="accent2"/>
+            </a:solidFill>
           </a:ln>
-          <a:extLst>
-            <a:ext uri="{53640926-AAD7-44D8-BBD7-CCE9431645EC}">
-              <a14:shadowObscured xmlns:a14="http://schemas.microsoft.com/office/drawing/2010/main"/>
-            </a:ext>
-          </a:extLst>
-        </p:spPr>
-      </p:pic>
-      <p:pic>
-        <p:nvPicPr>
-          <p:cNvPr id="6" name="그림 5" descr="/Users/Yongs/Downloads/DB 브라우저 그림파일/2.png"/>
-          <p:cNvPicPr/>
-          <p:nvPr/>
-        </p:nvPicPr>
-        <p:blipFill rotWithShape="1">
-          <a:blip r:embed="rId3">
-            <a:extLst>
-              <a:ext uri="{28A0092B-C50C-407E-A947-70E740481C1C}">
-                <a14:useLocalDpi xmlns:a14="http://schemas.microsoft.com/office/drawing/2010/main" val="0"/>
-              </a:ext>
-            </a:extLst>
-          </a:blip>
-          <a:srcRect l="23487" t="21694" r="23487" b="34739"/>
-          <a:stretch/>
-        </p:blipFill>
-        <p:spPr bwMode="auto">
-          <a:xfrm>
-            <a:off x="9962078" y="1174725"/>
-            <a:ext cx="274123" cy="195383"/>
-          </a:xfrm>
-          <a:prstGeom prst="rect">
-            <a:avLst/>
-          </a:prstGeom>
-          <a:noFill/>
-          <a:ln>
-            <a:noFill/>
-          </a:ln>
-          <a:extLst>
-            <a:ext uri="{53640926-AAD7-44D8-BBD7-CCE9431645EC}">
-              <a14:shadowObscured xmlns:a14="http://schemas.microsoft.com/office/drawing/2010/main"/>
-            </a:ext>
-          </a:extLst>
-        </p:spPr>
-      </p:pic>
-      <p:pic>
-        <p:nvPicPr>
-          <p:cNvPr id="7" name="그림 6" descr="/Users/Yongs/Downloads/DB 브라우저 그림파일/3.png"/>
-          <p:cNvPicPr/>
-          <p:nvPr/>
-        </p:nvPicPr>
-        <p:blipFill rotWithShape="1">
-          <a:blip r:embed="rId4">
-            <a:extLst>
-              <a:ext uri="{28A0092B-C50C-407E-A947-70E740481C1C}">
-                <a14:useLocalDpi xmlns:a14="http://schemas.microsoft.com/office/drawing/2010/main" val="0"/>
-              </a:ext>
-            </a:extLst>
-          </a:blip>
-          <a:srcRect l="22941" t="21673" r="22941" b="34717"/>
-          <a:stretch/>
-        </p:blipFill>
-        <p:spPr bwMode="auto">
-          <a:xfrm>
-            <a:off x="2578906" y="3311277"/>
-            <a:ext cx="598822" cy="418607"/>
-          </a:xfrm>
-          <a:prstGeom prst="rect">
-            <a:avLst/>
-          </a:prstGeom>
-          <a:noFill/>
-          <a:ln>
-            <a:noFill/>
-          </a:ln>
-          <a:extLst>
-            <a:ext uri="{53640926-AAD7-44D8-BBD7-CCE9431645EC}">
-              <a14:shadowObscured xmlns:a14="http://schemas.microsoft.com/office/drawing/2010/main"/>
-            </a:ext>
-          </a:extLst>
-        </p:spPr>
-      </p:pic>
-      <p:pic>
-        <p:nvPicPr>
-          <p:cNvPr id="8" name="그림 7" descr="/Users/Yongs/Downloads/DB 브라우저 그림파일/4.png"/>
-          <p:cNvPicPr/>
-          <p:nvPr/>
-        </p:nvPicPr>
-        <p:blipFill rotWithShape="1">
-          <a:blip r:embed="rId5">
-            <a:extLst>
-              <a:ext uri="{28A0092B-C50C-407E-A947-70E740481C1C}">
-                <a14:useLocalDpi xmlns:a14="http://schemas.microsoft.com/office/drawing/2010/main" val="0"/>
-              </a:ext>
-            </a:extLst>
-          </a:blip>
-          <a:srcRect l="22941" t="21673" r="22941" b="34717"/>
-          <a:stretch/>
-        </p:blipFill>
-        <p:spPr bwMode="auto">
-          <a:xfrm>
-            <a:off x="3308946" y="3302222"/>
-            <a:ext cx="598822" cy="418607"/>
-          </a:xfrm>
-          <a:prstGeom prst="rect">
-            <a:avLst/>
-          </a:prstGeom>
-          <a:noFill/>
-          <a:ln>
-            <a:noFill/>
-          </a:ln>
-          <a:extLst>
-            <a:ext uri="{53640926-AAD7-44D8-BBD7-CCE9431645EC}">
-              <a14:shadowObscured xmlns:a14="http://schemas.microsoft.com/office/drawing/2010/main"/>
-            </a:ext>
-          </a:extLst>
-        </p:spPr>
-      </p:pic>
-      <p:pic>
-        <p:nvPicPr>
-          <p:cNvPr id="9" name="그림 8"/>
-          <p:cNvPicPr/>
-          <p:nvPr/>
-        </p:nvPicPr>
-        <p:blipFill rotWithShape="1">
-          <a:blip r:embed="rId6">
-            <a:extLst>
-              <a:ext uri="{28A0092B-C50C-407E-A947-70E740481C1C}">
-                <a14:useLocalDpi xmlns:a14="http://schemas.microsoft.com/office/drawing/2010/main" val="0"/>
-              </a:ext>
-            </a:extLst>
-          </a:blip>
-          <a:srcRect l="22766" t="21738" r="22766" b="34782"/>
-          <a:stretch/>
-        </p:blipFill>
-        <p:spPr bwMode="auto">
-          <a:xfrm>
-            <a:off x="4038986" y="3302222"/>
-            <a:ext cx="598822" cy="418607"/>
-          </a:xfrm>
-          <a:prstGeom prst="rect">
-            <a:avLst/>
-          </a:prstGeom>
-          <a:ln>
-            <a:noFill/>
-          </a:ln>
-          <a:extLst>
-            <a:ext uri="{53640926-AAD7-44D8-BBD7-CCE9431645EC}">
-              <a14:shadowObscured xmlns:a14="http://schemas.microsoft.com/office/drawing/2010/main"/>
-            </a:ext>
-          </a:extLst>
-        </p:spPr>
-      </p:pic>
+        </p:spPr>
+        <p:style>
+          <a:lnRef idx="2">
+            <a:schemeClr val="accent1">
+              <a:shade val="50000"/>
+            </a:schemeClr>
+          </a:lnRef>
+          <a:fillRef idx="1">
+            <a:schemeClr val="accent1"/>
+          </a:fillRef>
+          <a:effectRef idx="0">
+            <a:schemeClr val="accent1"/>
+          </a:effectRef>
+          <a:fontRef idx="minor">
+            <a:schemeClr val="lt1"/>
+          </a:fontRef>
+        </p:style>
+        <p:txBody>
+          <a:bodyPr rtlCol="0" anchor="ctr"/>
+          <a:lstStyle/>
+          <a:p>
+            <a:pPr algn="ctr"/>
+            <a:endParaRPr lang="ko-KR" altLang="en-US"/>
+          </a:p>
+        </p:txBody>
+      </p:sp>
     </p:spTree>
     <p:extLst>
       <p:ext uri="{BB962C8B-B14F-4D97-AF65-F5344CB8AC3E}">
-        <p14:creationId xmlns:p14="http://schemas.microsoft.com/office/powerpoint/2010/main" val="4000657372"/>
+        <p14:creationId xmlns:p14="http://schemas.microsoft.com/office/powerpoint/2010/main" val="555455642"/>
       </p:ext>
     </p:extLst>
   </p:cSld>
@@ -3840,68 +4645,97 @@
           <a:chExt cx="0" cy="0"/>
         </a:xfrm>
       </p:grpSpPr>
-      <p:sp>
-        <p:nvSpPr>
-          <p:cNvPr id="2" name="제목 1"/>
-          <p:cNvSpPr>
-            <a:spLocks noGrp="1"/>
-          </p:cNvSpPr>
-          <p:nvPr>
-            <p:ph type="ctrTitle"/>
-          </p:nvPr>
-        </p:nvSpPr>
-        <p:spPr/>
-        <p:txBody>
-          <a:bodyPr/>
-          <a:lstStyle/>
-          <a:p>
-            <a:r>
-              <a:rPr lang="ko-KR" altLang="en-US" dirty="0"/>
-              <a:t>영</a:t>
-            </a:r>
-            <a:r>
-              <a:rPr lang="ko-KR" altLang="en-US" dirty="0" smtClean="0"/>
-              <a:t>문</a:t>
-            </a:r>
-            <a:r>
-              <a:rPr lang="en-US" altLang="ko-KR" dirty="0" smtClean="0"/>
-              <a:t>(</a:t>
-            </a:r>
-            <a:r>
-              <a:rPr lang="en-US" altLang="ko-KR" dirty="0" err="1" smtClean="0"/>
-              <a:t>en</a:t>
-            </a:r>
-            <a:r>
-              <a:rPr lang="en-US" altLang="ko-KR" dirty="0" smtClean="0"/>
-              <a:t>)</a:t>
-            </a:r>
-            <a:endParaRPr lang="ko-KR" altLang="en-US" dirty="0"/>
-          </a:p>
-        </p:txBody>
-      </p:sp>
-      <p:sp>
-        <p:nvSpPr>
-          <p:cNvPr id="3" name="부제목 2"/>
-          <p:cNvSpPr>
-            <a:spLocks noGrp="1"/>
-          </p:cNvSpPr>
-          <p:nvPr>
-            <p:ph type="subTitle" idx="1"/>
-          </p:nvPr>
-        </p:nvSpPr>
-        <p:spPr/>
-        <p:txBody>
-          <a:bodyPr/>
-          <a:lstStyle/>
-          <a:p>
-            <a:endParaRPr lang="ko-KR" altLang="en-US"/>
-          </a:p>
-        </p:txBody>
-      </p:sp>
+      <p:pic>
+        <p:nvPicPr>
+          <p:cNvPr id="3" name="그림 2"/>
+          <p:cNvPicPr>
+            <a:picLocks noChangeAspect="1"/>
+          </p:cNvPicPr>
+          <p:nvPr/>
+        </p:nvPicPr>
+        <p:blipFill rotWithShape="1">
+          <a:blip r:embed="rId2"/>
+          <a:srcRect t="10000"/>
+          <a:stretch/>
+        </p:blipFill>
+        <p:spPr>
+          <a:xfrm>
+            <a:off x="304801" y="541867"/>
+            <a:ext cx="11645538" cy="5677200"/>
+          </a:xfrm>
+          <a:prstGeom prst="rect">
+            <a:avLst/>
+          </a:prstGeom>
+          <a:ln>
+            <a:solidFill>
+              <a:schemeClr val="tx1"/>
+            </a:solidFill>
+          </a:ln>
+        </p:spPr>
+      </p:pic>
     </p:spTree>
     <p:extLst>
       <p:ext uri="{BB962C8B-B14F-4D97-AF65-F5344CB8AC3E}">
-        <p14:creationId xmlns:p14="http://schemas.microsoft.com/office/powerpoint/2010/main" val="1528310087"/>
+        <p14:creationId xmlns:p14="http://schemas.microsoft.com/office/powerpoint/2010/main" val="11134872"/>
+      </p:ext>
+    </p:extLst>
+  </p:cSld>
+  <p:clrMapOvr>
+    <a:masterClrMapping/>
+  </p:clrMapOvr>
+</p:sld>
+</file>
+
+<file path=ppt/slides/slide9.xml><?xml version="1.0" encoding="utf-8"?>
+<p:sld xmlns:a="http://schemas.openxmlformats.org/drawingml/2006/main" xmlns:r="http://schemas.openxmlformats.org/officeDocument/2006/relationships" xmlns:p="http://schemas.openxmlformats.org/presentationml/2006/main">
+  <p:cSld>
+    <p:spTree>
+      <p:nvGrpSpPr>
+        <p:cNvPr id="1" name=""/>
+        <p:cNvGrpSpPr/>
+        <p:nvPr/>
+      </p:nvGrpSpPr>
+      <p:grpSpPr>
+        <a:xfrm>
+          <a:off x="0" y="0"/>
+          <a:ext cx="0" cy="0"/>
+          <a:chOff x="0" y="0"/>
+          <a:chExt cx="0" cy="0"/>
+        </a:xfrm>
+      </p:grpSpPr>
+      <p:pic>
+        <p:nvPicPr>
+          <p:cNvPr id="2" name="그림 1"/>
+          <p:cNvPicPr>
+            <a:picLocks noChangeAspect="1"/>
+          </p:cNvPicPr>
+          <p:nvPr/>
+        </p:nvPicPr>
+        <p:blipFill>
+          <a:blip r:embed="rId2"/>
+          <a:stretch>
+            <a:fillRect/>
+          </a:stretch>
+        </p:blipFill>
+        <p:spPr>
+          <a:xfrm>
+            <a:off x="597429" y="935037"/>
+            <a:ext cx="2581275" cy="1381125"/>
+          </a:xfrm>
+          <a:prstGeom prst="rect">
+            <a:avLst/>
+          </a:prstGeom>
+          <a:ln>
+            <a:solidFill>
+              <a:schemeClr val="tx1"/>
+            </a:solidFill>
+          </a:ln>
+        </p:spPr>
+      </p:pic>
+    </p:spTree>
+    <p:extLst>
+      <p:ext uri="{BB962C8B-B14F-4D97-AF65-F5344CB8AC3E}">
+        <p14:creationId xmlns:p14="http://schemas.microsoft.com/office/powerpoint/2010/main" val="3505248588"/>
       </p:ext>
     </p:extLst>
   </p:cSld>
